--- a/oral_projet/revue_1/diaporama_revue_1_steven.pptx
+++ b/oral_projet/revue_1/diaporama_revue_1_steven.pptx
@@ -5,13 +5,14 @@
     <p:sldMasterId id="2147483648" r:id="rId1"/>
   </p:sldMasterIdLst>
   <p:notesMasterIdLst>
-    <p:notesMasterId r:id="rId6"/>
+    <p:notesMasterId r:id="rId7"/>
   </p:notesMasterIdLst>
   <p:sldIdLst>
     <p:sldId id="256" r:id="rId2"/>
     <p:sldId id="259" r:id="rId3"/>
-    <p:sldId id="258" r:id="rId4"/>
-    <p:sldId id="260" r:id="rId5"/>
+    <p:sldId id="261" r:id="rId4"/>
+    <p:sldId id="258" r:id="rId5"/>
+    <p:sldId id="260" r:id="rId6"/>
   </p:sldIdLst>
   <p:sldSz cx="12192000" cy="6858000"/>
   <p:notesSz cx="6858000" cy="9144000"/>
@@ -204,7 +205,7 @@
           <a:p>
             <a:fld id="{7BEC4371-174F-4615-858D-8B61BA547698}" type="datetimeFigureOut">
               <a:rPr lang="fr-FR" smtClean="0"/>
-              <a:t>29/01/2018</a:t>
+              <a:t>08/02/2018</a:t>
             </a:fld>
             <a:endParaRPr lang="fr-FR"/>
           </a:p>
@@ -618,7 +619,7 @@
           <a:p>
             <a:fld id="{125942D7-A464-4365-815E-3C7EAFC3F152}" type="datetimeFigureOut">
               <a:rPr lang="fr-FR" smtClean="0"/>
-              <a:t>29/01/2018</a:t>
+              <a:t>08/02/2018</a:t>
             </a:fld>
             <a:endParaRPr lang="fr-FR"/>
           </a:p>
@@ -828,7 +829,7 @@
           <a:p>
             <a:fld id="{125942D7-A464-4365-815E-3C7EAFC3F152}" type="datetimeFigureOut">
               <a:rPr lang="fr-FR" smtClean="0"/>
-              <a:t>29/01/2018</a:t>
+              <a:t>08/02/2018</a:t>
             </a:fld>
             <a:endParaRPr lang="fr-FR"/>
           </a:p>
@@ -1048,7 +1049,7 @@
           <a:p>
             <a:fld id="{125942D7-A464-4365-815E-3C7EAFC3F152}" type="datetimeFigureOut">
               <a:rPr lang="fr-FR" smtClean="0"/>
-              <a:t>29/01/2018</a:t>
+              <a:t>08/02/2018</a:t>
             </a:fld>
             <a:endParaRPr lang="fr-FR"/>
           </a:p>
@@ -1258,7 +1259,7 @@
           <a:p>
             <a:fld id="{125942D7-A464-4365-815E-3C7EAFC3F152}" type="datetimeFigureOut">
               <a:rPr lang="fr-FR" smtClean="0"/>
-              <a:t>29/01/2018</a:t>
+              <a:t>08/02/2018</a:t>
             </a:fld>
             <a:endParaRPr lang="fr-FR"/>
           </a:p>
@@ -1545,7 +1546,7 @@
           <a:p>
             <a:fld id="{125942D7-A464-4365-815E-3C7EAFC3F152}" type="datetimeFigureOut">
               <a:rPr lang="fr-FR" smtClean="0"/>
-              <a:t>29/01/2018</a:t>
+              <a:t>08/02/2018</a:t>
             </a:fld>
             <a:endParaRPr lang="fr-FR"/>
           </a:p>
@@ -1822,7 +1823,7 @@
           <a:p>
             <a:fld id="{125942D7-A464-4365-815E-3C7EAFC3F152}" type="datetimeFigureOut">
               <a:rPr lang="fr-FR" smtClean="0"/>
-              <a:t>29/01/2018</a:t>
+              <a:t>08/02/2018</a:t>
             </a:fld>
             <a:endParaRPr lang="fr-FR"/>
           </a:p>
@@ -2246,7 +2247,7 @@
           <a:p>
             <a:fld id="{125942D7-A464-4365-815E-3C7EAFC3F152}" type="datetimeFigureOut">
               <a:rPr lang="fr-FR" smtClean="0"/>
-              <a:t>29/01/2018</a:t>
+              <a:t>08/02/2018</a:t>
             </a:fld>
             <a:endParaRPr lang="fr-FR"/>
           </a:p>
@@ -2399,7 +2400,7 @@
           <a:p>
             <a:fld id="{125942D7-A464-4365-815E-3C7EAFC3F152}" type="datetimeFigureOut">
               <a:rPr lang="fr-FR" smtClean="0"/>
-              <a:t>29/01/2018</a:t>
+              <a:t>08/02/2018</a:t>
             </a:fld>
             <a:endParaRPr lang="fr-FR"/>
           </a:p>
@@ -2524,7 +2525,7 @@
           <a:p>
             <a:fld id="{125942D7-A464-4365-815E-3C7EAFC3F152}" type="datetimeFigureOut">
               <a:rPr lang="fr-FR" smtClean="0"/>
-              <a:t>29/01/2018</a:t>
+              <a:t>08/02/2018</a:t>
             </a:fld>
             <a:endParaRPr lang="fr-FR"/>
           </a:p>
@@ -2847,7 +2848,7 @@
           <a:p>
             <a:fld id="{125942D7-A464-4365-815E-3C7EAFC3F152}" type="datetimeFigureOut">
               <a:rPr lang="fr-FR" smtClean="0"/>
-              <a:t>29/01/2018</a:t>
+              <a:t>08/02/2018</a:t>
             </a:fld>
             <a:endParaRPr lang="fr-FR"/>
           </a:p>
@@ -3147,7 +3148,7 @@
           <a:p>
             <a:fld id="{125942D7-A464-4365-815E-3C7EAFC3F152}" type="datetimeFigureOut">
               <a:rPr lang="fr-FR" smtClean="0"/>
-              <a:t>29/01/2018</a:t>
+              <a:t>08/02/2018</a:t>
             </a:fld>
             <a:endParaRPr lang="fr-FR"/>
           </a:p>
@@ -3400,7 +3401,7 @@
           <a:p>
             <a:fld id="{125942D7-A464-4365-815E-3C7EAFC3F152}" type="datetimeFigureOut">
               <a:rPr lang="fr-FR" smtClean="0"/>
-              <a:t>29/01/2018</a:t>
+              <a:t>08/02/2018</a:t>
             </a:fld>
             <a:endParaRPr lang="fr-FR"/>
           </a:p>
@@ -6262,6 +6263,832 @@
           </a:fontRef>
         </p:style>
       </p:cxnSp>
+      <p:pic>
+        <p:nvPicPr>
+          <p:cNvPr id="57" name="Image 56">
+            <a:extLst>
+              <a:ext uri="{FF2B5EF4-FFF2-40B4-BE49-F238E27FC236}">
+                <a16:creationId xmlns:a16="http://schemas.microsoft.com/office/drawing/2014/main" id="{12B16FB2-5844-4B92-AE69-9BAC858C22BB}"/>
+              </a:ext>
+            </a:extLst>
+          </p:cNvPr>
+          <p:cNvPicPr>
+            <a:picLocks noChangeAspect="1"/>
+          </p:cNvPicPr>
+          <p:nvPr/>
+        </p:nvPicPr>
+        <p:blipFill>
+          <a:blip r:embed="rId3">
+            <a:extLst>
+              <a:ext uri="{28A0092B-C50C-407E-A947-70E740481C1C}">
+                <a14:useLocalDpi xmlns:a14="http://schemas.microsoft.com/office/drawing/2010/main" val="0"/>
+              </a:ext>
+            </a:extLst>
+          </a:blip>
+          <a:stretch>
+            <a:fillRect/>
+          </a:stretch>
+        </p:blipFill>
+        <p:spPr>
+          <a:xfrm>
+            <a:off x="9681085" y="238153"/>
+            <a:ext cx="1802101" cy="569807"/>
+          </a:xfrm>
+          <a:prstGeom prst="rect">
+            <a:avLst/>
+          </a:prstGeom>
+        </p:spPr>
+      </p:pic>
+      <p:cxnSp>
+        <p:nvCxnSpPr>
+          <p:cNvPr id="58" name="Connecteur droit 57">
+            <a:extLst>
+              <a:ext uri="{FF2B5EF4-FFF2-40B4-BE49-F238E27FC236}">
+                <a16:creationId xmlns:a16="http://schemas.microsoft.com/office/drawing/2014/main" id="{01599350-F8B0-4FDC-B003-981189A8D654}"/>
+              </a:ext>
+            </a:extLst>
+          </p:cNvPr>
+          <p:cNvCxnSpPr>
+            <a:cxnSpLocks/>
+          </p:cNvCxnSpPr>
+          <p:nvPr/>
+        </p:nvCxnSpPr>
+        <p:spPr>
+          <a:xfrm>
+            <a:off x="2573222" y="454803"/>
+            <a:ext cx="6829482" cy="10398"/>
+          </a:xfrm>
+          <a:prstGeom prst="line">
+            <a:avLst/>
+          </a:prstGeom>
+        </p:spPr>
+        <p:style>
+          <a:lnRef idx="3">
+            <a:schemeClr val="dk1"/>
+          </a:lnRef>
+          <a:fillRef idx="0">
+            <a:schemeClr val="dk1"/>
+          </a:fillRef>
+          <a:effectRef idx="2">
+            <a:schemeClr val="dk1"/>
+          </a:effectRef>
+          <a:fontRef idx="minor">
+            <a:schemeClr val="tx1"/>
+          </a:fontRef>
+        </p:style>
+      </p:cxnSp>
+      <p:cxnSp>
+        <p:nvCxnSpPr>
+          <p:cNvPr id="59" name="Connecteur droit 58">
+            <a:extLst>
+              <a:ext uri="{FF2B5EF4-FFF2-40B4-BE49-F238E27FC236}">
+                <a16:creationId xmlns:a16="http://schemas.microsoft.com/office/drawing/2014/main" id="{BC6E6150-6054-4785-84EC-0C46D82034C2}"/>
+              </a:ext>
+            </a:extLst>
+          </p:cNvPr>
+          <p:cNvCxnSpPr>
+            <a:cxnSpLocks/>
+          </p:cNvCxnSpPr>
+          <p:nvPr/>
+        </p:nvCxnSpPr>
+        <p:spPr>
+          <a:xfrm>
+            <a:off x="738231" y="454803"/>
+            <a:ext cx="344203" cy="484764"/>
+          </a:xfrm>
+          <a:prstGeom prst="line">
+            <a:avLst/>
+          </a:prstGeom>
+        </p:spPr>
+        <p:style>
+          <a:lnRef idx="3">
+            <a:schemeClr val="dk1"/>
+          </a:lnRef>
+          <a:fillRef idx="0">
+            <a:schemeClr val="dk1"/>
+          </a:fillRef>
+          <a:effectRef idx="2">
+            <a:schemeClr val="dk1"/>
+          </a:effectRef>
+          <a:fontRef idx="minor">
+            <a:schemeClr val="tx1"/>
+          </a:fontRef>
+        </p:style>
+      </p:cxnSp>
+      <p:cxnSp>
+        <p:nvCxnSpPr>
+          <p:cNvPr id="60" name="Connecteur droit 59">
+            <a:extLst>
+              <a:ext uri="{FF2B5EF4-FFF2-40B4-BE49-F238E27FC236}">
+                <a16:creationId xmlns:a16="http://schemas.microsoft.com/office/drawing/2014/main" id="{CBC9961A-8EC2-4287-A398-BCA4138D409D}"/>
+              </a:ext>
+            </a:extLst>
+          </p:cNvPr>
+          <p:cNvCxnSpPr>
+            <a:cxnSpLocks/>
+          </p:cNvCxnSpPr>
+          <p:nvPr/>
+        </p:nvCxnSpPr>
+        <p:spPr>
+          <a:xfrm>
+            <a:off x="1082434" y="938268"/>
+            <a:ext cx="1146585" cy="0"/>
+          </a:xfrm>
+          <a:prstGeom prst="line">
+            <a:avLst/>
+          </a:prstGeom>
+        </p:spPr>
+        <p:style>
+          <a:lnRef idx="3">
+            <a:schemeClr val="dk1"/>
+          </a:lnRef>
+          <a:fillRef idx="0">
+            <a:schemeClr val="dk1"/>
+          </a:fillRef>
+          <a:effectRef idx="2">
+            <a:schemeClr val="dk1"/>
+          </a:effectRef>
+          <a:fontRef idx="minor">
+            <a:schemeClr val="tx1"/>
+          </a:fontRef>
+        </p:style>
+      </p:cxnSp>
+      <p:cxnSp>
+        <p:nvCxnSpPr>
+          <p:cNvPr id="61" name="Connecteur droit 60">
+            <a:extLst>
+              <a:ext uri="{FF2B5EF4-FFF2-40B4-BE49-F238E27FC236}">
+                <a16:creationId xmlns:a16="http://schemas.microsoft.com/office/drawing/2014/main" id="{152B7C45-2543-4665-BC07-4DB71CA9F337}"/>
+              </a:ext>
+            </a:extLst>
+          </p:cNvPr>
+          <p:cNvCxnSpPr>
+            <a:cxnSpLocks/>
+          </p:cNvCxnSpPr>
+          <p:nvPr/>
+        </p:nvCxnSpPr>
+        <p:spPr>
+          <a:xfrm>
+            <a:off x="9402704" y="465201"/>
+            <a:ext cx="344203" cy="495163"/>
+          </a:xfrm>
+          <a:prstGeom prst="line">
+            <a:avLst/>
+          </a:prstGeom>
+        </p:spPr>
+        <p:style>
+          <a:lnRef idx="3">
+            <a:schemeClr val="dk1"/>
+          </a:lnRef>
+          <a:fillRef idx="0">
+            <a:schemeClr val="dk1"/>
+          </a:fillRef>
+          <a:effectRef idx="2">
+            <a:schemeClr val="dk1"/>
+          </a:effectRef>
+          <a:fontRef idx="minor">
+            <a:schemeClr val="tx1"/>
+          </a:fontRef>
+        </p:style>
+      </p:cxnSp>
+      <p:cxnSp>
+        <p:nvCxnSpPr>
+          <p:cNvPr id="62" name="Connecteur droit 61">
+            <a:extLst>
+              <a:ext uri="{FF2B5EF4-FFF2-40B4-BE49-F238E27FC236}">
+                <a16:creationId xmlns:a16="http://schemas.microsoft.com/office/drawing/2014/main" id="{00A84DC3-A112-46A3-B71C-04D85339323D}"/>
+              </a:ext>
+            </a:extLst>
+          </p:cNvPr>
+          <p:cNvCxnSpPr>
+            <a:cxnSpLocks/>
+          </p:cNvCxnSpPr>
+          <p:nvPr/>
+        </p:nvCxnSpPr>
+        <p:spPr>
+          <a:xfrm flipH="1">
+            <a:off x="11370469" y="448308"/>
+            <a:ext cx="364332" cy="501657"/>
+          </a:xfrm>
+          <a:prstGeom prst="line">
+            <a:avLst/>
+          </a:prstGeom>
+        </p:spPr>
+        <p:style>
+          <a:lnRef idx="3">
+            <a:schemeClr val="dk1"/>
+          </a:lnRef>
+          <a:fillRef idx="0">
+            <a:schemeClr val="dk1"/>
+          </a:fillRef>
+          <a:effectRef idx="2">
+            <a:schemeClr val="dk1"/>
+          </a:effectRef>
+          <a:fontRef idx="minor">
+            <a:schemeClr val="tx1"/>
+          </a:fontRef>
+        </p:style>
+      </p:cxnSp>
+      <p:cxnSp>
+        <p:nvCxnSpPr>
+          <p:cNvPr id="63" name="Connecteur droit 62">
+            <a:extLst>
+              <a:ext uri="{FF2B5EF4-FFF2-40B4-BE49-F238E27FC236}">
+                <a16:creationId xmlns:a16="http://schemas.microsoft.com/office/drawing/2014/main" id="{C50788C6-8F68-44EC-AB54-94C1D2FE554D}"/>
+              </a:ext>
+            </a:extLst>
+          </p:cNvPr>
+          <p:cNvCxnSpPr>
+            <a:cxnSpLocks/>
+          </p:cNvCxnSpPr>
+          <p:nvPr/>
+        </p:nvCxnSpPr>
+        <p:spPr>
+          <a:xfrm>
+            <a:off x="9743203" y="949965"/>
+            <a:ext cx="1627266" cy="0"/>
+          </a:xfrm>
+          <a:prstGeom prst="line">
+            <a:avLst/>
+          </a:prstGeom>
+        </p:spPr>
+        <p:style>
+          <a:lnRef idx="3">
+            <a:schemeClr val="dk1"/>
+          </a:lnRef>
+          <a:fillRef idx="0">
+            <a:schemeClr val="dk1"/>
+          </a:fillRef>
+          <a:effectRef idx="2">
+            <a:schemeClr val="dk1"/>
+          </a:effectRef>
+          <a:fontRef idx="minor">
+            <a:schemeClr val="tx1"/>
+          </a:fontRef>
+        </p:style>
+      </p:cxnSp>
+      <p:cxnSp>
+        <p:nvCxnSpPr>
+          <p:cNvPr id="64" name="Connecteur droit 63">
+            <a:extLst>
+              <a:ext uri="{FF2B5EF4-FFF2-40B4-BE49-F238E27FC236}">
+                <a16:creationId xmlns:a16="http://schemas.microsoft.com/office/drawing/2014/main" id="{BC4D4E5F-5636-45CB-873C-EC085AB307A3}"/>
+              </a:ext>
+            </a:extLst>
+          </p:cNvPr>
+          <p:cNvCxnSpPr>
+            <a:cxnSpLocks/>
+          </p:cNvCxnSpPr>
+          <p:nvPr/>
+        </p:nvCxnSpPr>
+        <p:spPr>
+          <a:xfrm>
+            <a:off x="11715750" y="454801"/>
+            <a:ext cx="476249" cy="10400"/>
+          </a:xfrm>
+          <a:prstGeom prst="line">
+            <a:avLst/>
+          </a:prstGeom>
+        </p:spPr>
+        <p:style>
+          <a:lnRef idx="3">
+            <a:schemeClr val="dk1"/>
+          </a:lnRef>
+          <a:fillRef idx="0">
+            <a:schemeClr val="dk1"/>
+          </a:fillRef>
+          <a:effectRef idx="2">
+            <a:schemeClr val="dk1"/>
+          </a:effectRef>
+          <a:fontRef idx="minor">
+            <a:schemeClr val="tx1"/>
+          </a:fontRef>
+        </p:style>
+      </p:cxnSp>
+      <p:cxnSp>
+        <p:nvCxnSpPr>
+          <p:cNvPr id="65" name="Connecteur droit 64">
+            <a:extLst>
+              <a:ext uri="{FF2B5EF4-FFF2-40B4-BE49-F238E27FC236}">
+                <a16:creationId xmlns:a16="http://schemas.microsoft.com/office/drawing/2014/main" id="{E6F6B4C5-0E3B-46C9-859D-EE774175D36F}"/>
+              </a:ext>
+            </a:extLst>
+          </p:cNvPr>
+          <p:cNvCxnSpPr>
+            <a:cxnSpLocks/>
+          </p:cNvCxnSpPr>
+          <p:nvPr/>
+        </p:nvCxnSpPr>
+        <p:spPr>
+          <a:xfrm flipH="1">
+            <a:off x="2216372" y="446356"/>
+            <a:ext cx="364332" cy="501657"/>
+          </a:xfrm>
+          <a:prstGeom prst="line">
+            <a:avLst/>
+          </a:prstGeom>
+        </p:spPr>
+        <p:style>
+          <a:lnRef idx="3">
+            <a:schemeClr val="dk1"/>
+          </a:lnRef>
+          <a:fillRef idx="0">
+            <a:schemeClr val="dk1"/>
+          </a:fillRef>
+          <a:effectRef idx="2">
+            <a:schemeClr val="dk1"/>
+          </a:effectRef>
+          <a:fontRef idx="minor">
+            <a:schemeClr val="tx1"/>
+          </a:fontRef>
+        </p:style>
+      </p:cxnSp>
+      <p:pic>
+        <p:nvPicPr>
+          <p:cNvPr id="2" name="Image 1">
+            <a:extLst>
+              <a:ext uri="{FF2B5EF4-FFF2-40B4-BE49-F238E27FC236}">
+                <a16:creationId xmlns:a16="http://schemas.microsoft.com/office/drawing/2014/main" id="{D2C770A6-69EC-429A-90D4-5EE51FF4F042}"/>
+              </a:ext>
+            </a:extLst>
+          </p:cNvPr>
+          <p:cNvPicPr>
+            <a:picLocks noChangeAspect="1"/>
+          </p:cNvPicPr>
+          <p:nvPr/>
+        </p:nvPicPr>
+        <p:blipFill>
+          <a:blip r:embed="rId4"/>
+          <a:stretch>
+            <a:fillRect/>
+          </a:stretch>
+        </p:blipFill>
+        <p:spPr>
+          <a:xfrm>
+            <a:off x="2573222" y="1175061"/>
+            <a:ext cx="7536463" cy="5328966"/>
+          </a:xfrm>
+          <a:prstGeom prst="rect">
+            <a:avLst/>
+          </a:prstGeom>
+        </p:spPr>
+      </p:pic>
+    </p:spTree>
+    <p:extLst>
+      <p:ext uri="{BB962C8B-B14F-4D97-AF65-F5344CB8AC3E}">
+        <p14:creationId xmlns:p14="http://schemas.microsoft.com/office/powerpoint/2010/main" val="878112238"/>
+      </p:ext>
+    </p:extLst>
+  </p:cSld>
+  <p:clrMapOvr>
+    <a:masterClrMapping/>
+  </p:clrMapOvr>
+  <mc:AlternateContent xmlns:mc="http://schemas.openxmlformats.org/markup-compatibility/2006" xmlns:p14="http://schemas.microsoft.com/office/powerpoint/2010/main">
+    <mc:Choice Requires="p14">
+      <p:transition spd="slow">
+        <p14:reveal/>
+      </p:transition>
+    </mc:Choice>
+    <mc:Fallback xmlns="">
+      <p:transition spd="slow">
+        <p:fade/>
+      </p:transition>
+    </mc:Fallback>
+  </mc:AlternateContent>
+</p:sld>
+</file>
+
+<file path=ppt/slides/slide4.xml><?xml version="1.0" encoding="utf-8"?>
+<p:sld xmlns:a="http://schemas.openxmlformats.org/drawingml/2006/main" xmlns:r="http://schemas.openxmlformats.org/officeDocument/2006/relationships" xmlns:p="http://schemas.openxmlformats.org/presentationml/2006/main">
+  <p:cSld>
+    <p:spTree>
+      <p:nvGrpSpPr>
+        <p:cNvPr id="1" name=""/>
+        <p:cNvGrpSpPr/>
+        <p:nvPr/>
+      </p:nvGrpSpPr>
+      <p:grpSpPr>
+        <a:xfrm>
+          <a:off x="0" y="0"/>
+          <a:ext cx="0" cy="0"/>
+          <a:chOff x="0" y="0"/>
+          <a:chExt cx="0" cy="0"/>
+        </a:xfrm>
+      </p:grpSpPr>
+      <p:pic>
+        <p:nvPicPr>
+          <p:cNvPr id="8" name="Image 7">
+            <a:extLst>
+              <a:ext uri="{FF2B5EF4-FFF2-40B4-BE49-F238E27FC236}">
+                <a16:creationId xmlns:a16="http://schemas.microsoft.com/office/drawing/2014/main" id="{2BB825C5-31DA-4A56-85EA-536DBF510A31}"/>
+              </a:ext>
+            </a:extLst>
+          </p:cNvPr>
+          <p:cNvPicPr>
+            <a:picLocks noChangeAspect="1"/>
+          </p:cNvPicPr>
+          <p:nvPr/>
+        </p:nvPicPr>
+        <p:blipFill>
+          <a:blip r:embed="rId2">
+            <a:extLst>
+              <a:ext uri="{28A0092B-C50C-407E-A947-70E740481C1C}">
+                <a14:useLocalDpi xmlns:a14="http://schemas.microsoft.com/office/drawing/2010/main" val="0"/>
+              </a:ext>
+            </a:extLst>
+          </a:blip>
+          <a:stretch>
+            <a:fillRect/>
+          </a:stretch>
+        </p:blipFill>
+        <p:spPr>
+          <a:xfrm>
+            <a:off x="1068751" y="66457"/>
+            <a:ext cx="1259497" cy="776690"/>
+          </a:xfrm>
+          <a:prstGeom prst="rect">
+            <a:avLst/>
+          </a:prstGeom>
+        </p:spPr>
+      </p:pic>
+      <p:pic>
+        <p:nvPicPr>
+          <p:cNvPr id="10" name="Image 9">
+            <a:extLst>
+              <a:ext uri="{FF2B5EF4-FFF2-40B4-BE49-F238E27FC236}">
+                <a16:creationId xmlns:a16="http://schemas.microsoft.com/office/drawing/2014/main" id="{8EE7436F-49F2-41E0-93E4-D247B4705294}"/>
+              </a:ext>
+            </a:extLst>
+          </p:cNvPr>
+          <p:cNvPicPr>
+            <a:picLocks noChangeAspect="1"/>
+          </p:cNvPicPr>
+          <p:nvPr/>
+        </p:nvPicPr>
+        <p:blipFill>
+          <a:blip r:embed="rId3">
+            <a:extLst>
+              <a:ext uri="{28A0092B-C50C-407E-A947-70E740481C1C}">
+                <a14:useLocalDpi xmlns:a14="http://schemas.microsoft.com/office/drawing/2010/main" val="0"/>
+              </a:ext>
+            </a:extLst>
+          </a:blip>
+          <a:stretch>
+            <a:fillRect/>
+          </a:stretch>
+        </p:blipFill>
+        <p:spPr>
+          <a:xfrm>
+            <a:off x="9681085" y="238153"/>
+            <a:ext cx="1802101" cy="569807"/>
+          </a:xfrm>
+          <a:prstGeom prst="rect">
+            <a:avLst/>
+          </a:prstGeom>
+        </p:spPr>
+      </p:pic>
+      <p:cxnSp>
+        <p:nvCxnSpPr>
+          <p:cNvPr id="16" name="Connecteur droit 15">
+            <a:extLst>
+              <a:ext uri="{FF2B5EF4-FFF2-40B4-BE49-F238E27FC236}">
+                <a16:creationId xmlns:a16="http://schemas.microsoft.com/office/drawing/2014/main" id="{7319284A-BD6F-4A96-8E2B-E0A4B52E53C6}"/>
+              </a:ext>
+            </a:extLst>
+          </p:cNvPr>
+          <p:cNvCxnSpPr>
+            <a:cxnSpLocks/>
+          </p:cNvCxnSpPr>
+          <p:nvPr/>
+        </p:nvCxnSpPr>
+        <p:spPr>
+          <a:xfrm flipV="1">
+            <a:off x="0" y="454803"/>
+            <a:ext cx="738231" cy="1798"/>
+          </a:xfrm>
+          <a:prstGeom prst="line">
+            <a:avLst/>
+          </a:prstGeom>
+        </p:spPr>
+        <p:style>
+          <a:lnRef idx="3">
+            <a:schemeClr val="dk1"/>
+          </a:lnRef>
+          <a:fillRef idx="0">
+            <a:schemeClr val="dk1"/>
+          </a:fillRef>
+          <a:effectRef idx="2">
+            <a:schemeClr val="dk1"/>
+          </a:effectRef>
+          <a:fontRef idx="minor">
+            <a:schemeClr val="tx1"/>
+          </a:fontRef>
+        </p:style>
+      </p:cxnSp>
+      <p:cxnSp>
+        <p:nvCxnSpPr>
+          <p:cNvPr id="20" name="Connecteur droit 19">
+            <a:extLst>
+              <a:ext uri="{FF2B5EF4-FFF2-40B4-BE49-F238E27FC236}">
+                <a16:creationId xmlns:a16="http://schemas.microsoft.com/office/drawing/2014/main" id="{08874CF7-F149-4C81-B61E-74E18342BA8A}"/>
+              </a:ext>
+            </a:extLst>
+          </p:cNvPr>
+          <p:cNvCxnSpPr>
+            <a:cxnSpLocks/>
+          </p:cNvCxnSpPr>
+          <p:nvPr/>
+        </p:nvCxnSpPr>
+        <p:spPr>
+          <a:xfrm>
+            <a:off x="2573222" y="454803"/>
+            <a:ext cx="6829482" cy="10398"/>
+          </a:xfrm>
+          <a:prstGeom prst="line">
+            <a:avLst/>
+          </a:prstGeom>
+        </p:spPr>
+        <p:style>
+          <a:lnRef idx="3">
+            <a:schemeClr val="dk1"/>
+          </a:lnRef>
+          <a:fillRef idx="0">
+            <a:schemeClr val="dk1"/>
+          </a:fillRef>
+          <a:effectRef idx="2">
+            <a:schemeClr val="dk1"/>
+          </a:effectRef>
+          <a:fontRef idx="minor">
+            <a:schemeClr val="tx1"/>
+          </a:fontRef>
+        </p:style>
+      </p:cxnSp>
+      <p:cxnSp>
+        <p:nvCxnSpPr>
+          <p:cNvPr id="26" name="Connecteur droit 25">
+            <a:extLst>
+              <a:ext uri="{FF2B5EF4-FFF2-40B4-BE49-F238E27FC236}">
+                <a16:creationId xmlns:a16="http://schemas.microsoft.com/office/drawing/2014/main" id="{BB3B35CC-057B-48C1-880F-3306A6559175}"/>
+              </a:ext>
+            </a:extLst>
+          </p:cNvPr>
+          <p:cNvCxnSpPr>
+            <a:cxnSpLocks/>
+          </p:cNvCxnSpPr>
+          <p:nvPr/>
+        </p:nvCxnSpPr>
+        <p:spPr>
+          <a:xfrm>
+            <a:off x="738231" y="454803"/>
+            <a:ext cx="344203" cy="484764"/>
+          </a:xfrm>
+          <a:prstGeom prst="line">
+            <a:avLst/>
+          </a:prstGeom>
+        </p:spPr>
+        <p:style>
+          <a:lnRef idx="3">
+            <a:schemeClr val="dk1"/>
+          </a:lnRef>
+          <a:fillRef idx="0">
+            <a:schemeClr val="dk1"/>
+          </a:fillRef>
+          <a:effectRef idx="2">
+            <a:schemeClr val="dk1"/>
+          </a:effectRef>
+          <a:fontRef idx="minor">
+            <a:schemeClr val="tx1"/>
+          </a:fontRef>
+        </p:style>
+      </p:cxnSp>
+      <p:cxnSp>
+        <p:nvCxnSpPr>
+          <p:cNvPr id="32" name="Connecteur droit 31">
+            <a:extLst>
+              <a:ext uri="{FF2B5EF4-FFF2-40B4-BE49-F238E27FC236}">
+                <a16:creationId xmlns:a16="http://schemas.microsoft.com/office/drawing/2014/main" id="{4AD96496-1EB6-4E48-9BB2-5C255495C686}"/>
+              </a:ext>
+            </a:extLst>
+          </p:cNvPr>
+          <p:cNvCxnSpPr>
+            <a:cxnSpLocks/>
+          </p:cNvCxnSpPr>
+          <p:nvPr/>
+        </p:nvCxnSpPr>
+        <p:spPr>
+          <a:xfrm>
+            <a:off x="1082434" y="938268"/>
+            <a:ext cx="1146585" cy="0"/>
+          </a:xfrm>
+          <a:prstGeom prst="line">
+            <a:avLst/>
+          </a:prstGeom>
+        </p:spPr>
+        <p:style>
+          <a:lnRef idx="3">
+            <a:schemeClr val="dk1"/>
+          </a:lnRef>
+          <a:fillRef idx="0">
+            <a:schemeClr val="dk1"/>
+          </a:fillRef>
+          <a:effectRef idx="2">
+            <a:schemeClr val="dk1"/>
+          </a:effectRef>
+          <a:fontRef idx="minor">
+            <a:schemeClr val="tx1"/>
+          </a:fontRef>
+        </p:style>
+      </p:cxnSp>
+      <p:cxnSp>
+        <p:nvCxnSpPr>
+          <p:cNvPr id="51" name="Connecteur droit 50">
+            <a:extLst>
+              <a:ext uri="{FF2B5EF4-FFF2-40B4-BE49-F238E27FC236}">
+                <a16:creationId xmlns:a16="http://schemas.microsoft.com/office/drawing/2014/main" id="{C035BFA6-ECBF-4775-BA81-19D2CA41AA8D}"/>
+              </a:ext>
+            </a:extLst>
+          </p:cNvPr>
+          <p:cNvCxnSpPr>
+            <a:cxnSpLocks/>
+          </p:cNvCxnSpPr>
+          <p:nvPr/>
+        </p:nvCxnSpPr>
+        <p:spPr>
+          <a:xfrm>
+            <a:off x="9402704" y="465201"/>
+            <a:ext cx="344203" cy="495163"/>
+          </a:xfrm>
+          <a:prstGeom prst="line">
+            <a:avLst/>
+          </a:prstGeom>
+        </p:spPr>
+        <p:style>
+          <a:lnRef idx="3">
+            <a:schemeClr val="dk1"/>
+          </a:lnRef>
+          <a:fillRef idx="0">
+            <a:schemeClr val="dk1"/>
+          </a:fillRef>
+          <a:effectRef idx="2">
+            <a:schemeClr val="dk1"/>
+          </a:effectRef>
+          <a:fontRef idx="minor">
+            <a:schemeClr val="tx1"/>
+          </a:fontRef>
+        </p:style>
+      </p:cxnSp>
+      <p:cxnSp>
+        <p:nvCxnSpPr>
+          <p:cNvPr id="52" name="Connecteur droit 51">
+            <a:extLst>
+              <a:ext uri="{FF2B5EF4-FFF2-40B4-BE49-F238E27FC236}">
+                <a16:creationId xmlns:a16="http://schemas.microsoft.com/office/drawing/2014/main" id="{FA310BC7-694B-4984-99A2-61A1F4F6EBF9}"/>
+              </a:ext>
+            </a:extLst>
+          </p:cNvPr>
+          <p:cNvCxnSpPr>
+            <a:cxnSpLocks/>
+          </p:cNvCxnSpPr>
+          <p:nvPr/>
+        </p:nvCxnSpPr>
+        <p:spPr>
+          <a:xfrm flipH="1">
+            <a:off x="11370469" y="448308"/>
+            <a:ext cx="364332" cy="501657"/>
+          </a:xfrm>
+          <a:prstGeom prst="line">
+            <a:avLst/>
+          </a:prstGeom>
+        </p:spPr>
+        <p:style>
+          <a:lnRef idx="3">
+            <a:schemeClr val="dk1"/>
+          </a:lnRef>
+          <a:fillRef idx="0">
+            <a:schemeClr val="dk1"/>
+          </a:fillRef>
+          <a:effectRef idx="2">
+            <a:schemeClr val="dk1"/>
+          </a:effectRef>
+          <a:fontRef idx="minor">
+            <a:schemeClr val="tx1"/>
+          </a:fontRef>
+        </p:style>
+      </p:cxnSp>
+      <p:cxnSp>
+        <p:nvCxnSpPr>
+          <p:cNvPr id="53" name="Connecteur droit 52">
+            <a:extLst>
+              <a:ext uri="{FF2B5EF4-FFF2-40B4-BE49-F238E27FC236}">
+                <a16:creationId xmlns:a16="http://schemas.microsoft.com/office/drawing/2014/main" id="{BE0649BD-EE59-4DDA-960F-95B2572F9F13}"/>
+              </a:ext>
+            </a:extLst>
+          </p:cNvPr>
+          <p:cNvCxnSpPr>
+            <a:cxnSpLocks/>
+          </p:cNvCxnSpPr>
+          <p:nvPr/>
+        </p:nvCxnSpPr>
+        <p:spPr>
+          <a:xfrm>
+            <a:off x="9743203" y="949965"/>
+            <a:ext cx="1627266" cy="0"/>
+          </a:xfrm>
+          <a:prstGeom prst="line">
+            <a:avLst/>
+          </a:prstGeom>
+        </p:spPr>
+        <p:style>
+          <a:lnRef idx="3">
+            <a:schemeClr val="dk1"/>
+          </a:lnRef>
+          <a:fillRef idx="0">
+            <a:schemeClr val="dk1"/>
+          </a:fillRef>
+          <a:effectRef idx="2">
+            <a:schemeClr val="dk1"/>
+          </a:effectRef>
+          <a:fontRef idx="minor">
+            <a:schemeClr val="tx1"/>
+          </a:fontRef>
+        </p:style>
+      </p:cxnSp>
+      <p:cxnSp>
+        <p:nvCxnSpPr>
+          <p:cNvPr id="55" name="Connecteur droit 54">
+            <a:extLst>
+              <a:ext uri="{FF2B5EF4-FFF2-40B4-BE49-F238E27FC236}">
+                <a16:creationId xmlns:a16="http://schemas.microsoft.com/office/drawing/2014/main" id="{52AA9200-DAFA-4EEF-AC13-4C7CE82A59EC}"/>
+              </a:ext>
+            </a:extLst>
+          </p:cNvPr>
+          <p:cNvCxnSpPr>
+            <a:cxnSpLocks/>
+          </p:cNvCxnSpPr>
+          <p:nvPr/>
+        </p:nvCxnSpPr>
+        <p:spPr>
+          <a:xfrm>
+            <a:off x="11715750" y="454801"/>
+            <a:ext cx="476249" cy="10400"/>
+          </a:xfrm>
+          <a:prstGeom prst="line">
+            <a:avLst/>
+          </a:prstGeom>
+        </p:spPr>
+        <p:style>
+          <a:lnRef idx="3">
+            <a:schemeClr val="dk1"/>
+          </a:lnRef>
+          <a:fillRef idx="0">
+            <a:schemeClr val="dk1"/>
+          </a:fillRef>
+          <a:effectRef idx="2">
+            <a:schemeClr val="dk1"/>
+          </a:effectRef>
+          <a:fontRef idx="minor">
+            <a:schemeClr val="tx1"/>
+          </a:fontRef>
+        </p:style>
+      </p:cxnSp>
+      <p:cxnSp>
+        <p:nvCxnSpPr>
+          <p:cNvPr id="23" name="Connecteur droit 22">
+            <a:extLst>
+              <a:ext uri="{FF2B5EF4-FFF2-40B4-BE49-F238E27FC236}">
+                <a16:creationId xmlns:a16="http://schemas.microsoft.com/office/drawing/2014/main" id="{BCB092C8-0080-4E56-957E-0046D4C83988}"/>
+              </a:ext>
+            </a:extLst>
+          </p:cNvPr>
+          <p:cNvCxnSpPr>
+            <a:cxnSpLocks/>
+          </p:cNvCxnSpPr>
+          <p:nvPr/>
+        </p:nvCxnSpPr>
+        <p:spPr>
+          <a:xfrm flipH="1">
+            <a:off x="2216372" y="446356"/>
+            <a:ext cx="364332" cy="501657"/>
+          </a:xfrm>
+          <a:prstGeom prst="line">
+            <a:avLst/>
+          </a:prstGeom>
+        </p:spPr>
+        <p:style>
+          <a:lnRef idx="3">
+            <a:schemeClr val="dk1"/>
+          </a:lnRef>
+          <a:fillRef idx="0">
+            <a:schemeClr val="dk1"/>
+          </a:fillRef>
+          <a:effectRef idx="2">
+            <a:schemeClr val="dk1"/>
+          </a:effectRef>
+          <a:fontRef idx="minor">
+            <a:schemeClr val="tx1"/>
+          </a:fontRef>
+        </p:style>
+      </p:cxnSp>
       <p:sp>
         <p:nvSpPr>
           <p:cNvPr id="2" name="ZoneTexte 1">
@@ -6812,7 +7639,7 @@
 </p:sld>
 </file>
 
-<file path=ppt/slides/slide4.xml><?xml version="1.0" encoding="utf-8"?>
+<file path=ppt/slides/slide5.xml><?xml version="1.0" encoding="utf-8"?>
 <p:sld xmlns:a="http://schemas.openxmlformats.org/drawingml/2006/main" xmlns:r="http://schemas.openxmlformats.org/officeDocument/2006/relationships" xmlns:p="http://schemas.openxmlformats.org/presentationml/2006/main">
   <p:cSld>
     <p:spTree>

--- a/oral_projet/revue_1/diaporama_revue_1_steven.pptx
+++ b/oral_projet/revue_1/diaporama_revue_1_steven.pptx
@@ -6605,10 +6605,10 @@
       </p:cxnSp>
       <p:pic>
         <p:nvPicPr>
-          <p:cNvPr id="2" name="Image 1">
-            <a:extLst>
-              <a:ext uri="{FF2B5EF4-FFF2-40B4-BE49-F238E27FC236}">
-                <a16:creationId xmlns:a16="http://schemas.microsoft.com/office/drawing/2014/main" id="{D2C770A6-69EC-429A-90D4-5EE51FF4F042}"/>
+          <p:cNvPr id="4" name="Image 3">
+            <a:extLst>
+              <a:ext uri="{FF2B5EF4-FFF2-40B4-BE49-F238E27FC236}">
+                <a16:creationId xmlns:a16="http://schemas.microsoft.com/office/drawing/2014/main" id="{755944AD-0FDA-4AA3-9F94-4E3DB7E41FB0}"/>
               </a:ext>
             </a:extLst>
           </p:cNvPr>
@@ -6618,15 +6618,21 @@
           <p:nvPr/>
         </p:nvPicPr>
         <p:blipFill>
-          <a:blip r:embed="rId4"/>
+          <a:blip r:embed="rId4">
+            <a:extLst>
+              <a:ext uri="{28A0092B-C50C-407E-A947-70E740481C1C}">
+                <a14:useLocalDpi xmlns:a14="http://schemas.microsoft.com/office/drawing/2010/main" val="0"/>
+              </a:ext>
+            </a:extLst>
+          </a:blip>
           <a:stretch>
             <a:fillRect/>
           </a:stretch>
         </p:blipFill>
         <p:spPr>
           <a:xfrm>
-            <a:off x="2573222" y="1175061"/>
-            <a:ext cx="7536463" cy="5328966"/>
+            <a:off x="2011509" y="1080274"/>
+            <a:ext cx="8191450" cy="5500573"/>
           </a:xfrm>
           <a:prstGeom prst="rect">
             <a:avLst/>

--- a/oral_projet/revue_1/diaporama_revue_1_steven.pptx
+++ b/oral_projet/revue_1/diaporama_revue_1_steven.pptx
@@ -5,7 +5,7 @@
     <p:sldMasterId id="2147483648" r:id="rId1"/>
   </p:sldMasterIdLst>
   <p:notesMasterIdLst>
-    <p:notesMasterId r:id="rId7"/>
+    <p:notesMasterId r:id="rId8"/>
   </p:notesMasterIdLst>
   <p:sldIdLst>
     <p:sldId id="256" r:id="rId2"/>
@@ -13,6 +13,7 @@
     <p:sldId id="261" r:id="rId4"/>
     <p:sldId id="258" r:id="rId5"/>
     <p:sldId id="260" r:id="rId6"/>
+    <p:sldId id="262" r:id="rId7"/>
   </p:sldIdLst>
   <p:sldSz cx="12192000" cy="6858000"/>
   <p:notesSz cx="6858000" cy="9144000"/>
@@ -8444,6 +8445,802 @@
     <p:extLst>
       <p:ext uri="{BB962C8B-B14F-4D97-AF65-F5344CB8AC3E}">
         <p14:creationId xmlns:p14="http://schemas.microsoft.com/office/powerpoint/2010/main" val="2149631933"/>
+      </p:ext>
+    </p:extLst>
+  </p:cSld>
+  <p:clrMapOvr>
+    <a:masterClrMapping/>
+  </p:clrMapOvr>
+  <mc:AlternateContent xmlns:mc="http://schemas.openxmlformats.org/markup-compatibility/2006" xmlns:p14="http://schemas.microsoft.com/office/powerpoint/2010/main">
+    <mc:Choice Requires="p14">
+      <p:transition spd="slow">
+        <p14:reveal/>
+      </p:transition>
+    </mc:Choice>
+    <mc:Fallback xmlns="">
+      <p:transition spd="slow">
+        <p:fade/>
+      </p:transition>
+    </mc:Fallback>
+  </mc:AlternateContent>
+</p:sld>
+</file>
+
+<file path=ppt/slides/slide6.xml><?xml version="1.0" encoding="utf-8"?>
+<p:sld xmlns:a="http://schemas.openxmlformats.org/drawingml/2006/main" xmlns:r="http://schemas.openxmlformats.org/officeDocument/2006/relationships" xmlns:p="http://schemas.openxmlformats.org/presentationml/2006/main">
+  <p:cSld>
+    <p:spTree>
+      <p:nvGrpSpPr>
+        <p:cNvPr id="1" name=""/>
+        <p:cNvGrpSpPr/>
+        <p:nvPr/>
+      </p:nvGrpSpPr>
+      <p:grpSpPr>
+        <a:xfrm>
+          <a:off x="0" y="0"/>
+          <a:ext cx="0" cy="0"/>
+          <a:chOff x="0" y="0"/>
+          <a:chExt cx="0" cy="0"/>
+        </a:xfrm>
+      </p:grpSpPr>
+      <p:pic>
+        <p:nvPicPr>
+          <p:cNvPr id="8" name="Image 7">
+            <a:extLst>
+              <a:ext uri="{FF2B5EF4-FFF2-40B4-BE49-F238E27FC236}">
+                <a16:creationId xmlns:a16="http://schemas.microsoft.com/office/drawing/2014/main" id="{2BB825C5-31DA-4A56-85EA-536DBF510A31}"/>
+              </a:ext>
+            </a:extLst>
+          </p:cNvPr>
+          <p:cNvPicPr>
+            <a:picLocks noChangeAspect="1"/>
+          </p:cNvPicPr>
+          <p:nvPr/>
+        </p:nvPicPr>
+        <p:blipFill>
+          <a:blip r:embed="rId2">
+            <a:extLst>
+              <a:ext uri="{28A0092B-C50C-407E-A947-70E740481C1C}">
+                <a14:useLocalDpi xmlns:a14="http://schemas.microsoft.com/office/drawing/2010/main" val="0"/>
+              </a:ext>
+            </a:extLst>
+          </a:blip>
+          <a:stretch>
+            <a:fillRect/>
+          </a:stretch>
+        </p:blipFill>
+        <p:spPr>
+          <a:xfrm>
+            <a:off x="1068751" y="66457"/>
+            <a:ext cx="1259497" cy="776690"/>
+          </a:xfrm>
+          <a:prstGeom prst="rect">
+            <a:avLst/>
+          </a:prstGeom>
+        </p:spPr>
+      </p:pic>
+      <p:pic>
+        <p:nvPicPr>
+          <p:cNvPr id="10" name="Image 9">
+            <a:extLst>
+              <a:ext uri="{FF2B5EF4-FFF2-40B4-BE49-F238E27FC236}">
+                <a16:creationId xmlns:a16="http://schemas.microsoft.com/office/drawing/2014/main" id="{8EE7436F-49F2-41E0-93E4-D247B4705294}"/>
+              </a:ext>
+            </a:extLst>
+          </p:cNvPr>
+          <p:cNvPicPr>
+            <a:picLocks noChangeAspect="1"/>
+          </p:cNvPicPr>
+          <p:nvPr/>
+        </p:nvPicPr>
+        <p:blipFill>
+          <a:blip r:embed="rId3">
+            <a:extLst>
+              <a:ext uri="{28A0092B-C50C-407E-A947-70E740481C1C}">
+                <a14:useLocalDpi xmlns:a14="http://schemas.microsoft.com/office/drawing/2010/main" val="0"/>
+              </a:ext>
+            </a:extLst>
+          </a:blip>
+          <a:stretch>
+            <a:fillRect/>
+          </a:stretch>
+        </p:blipFill>
+        <p:spPr>
+          <a:xfrm>
+            <a:off x="9681085" y="238153"/>
+            <a:ext cx="1802101" cy="569807"/>
+          </a:xfrm>
+          <a:prstGeom prst="rect">
+            <a:avLst/>
+          </a:prstGeom>
+        </p:spPr>
+      </p:pic>
+      <p:cxnSp>
+        <p:nvCxnSpPr>
+          <p:cNvPr id="16" name="Connecteur droit 15">
+            <a:extLst>
+              <a:ext uri="{FF2B5EF4-FFF2-40B4-BE49-F238E27FC236}">
+                <a16:creationId xmlns:a16="http://schemas.microsoft.com/office/drawing/2014/main" id="{7319284A-BD6F-4A96-8E2B-E0A4B52E53C6}"/>
+              </a:ext>
+            </a:extLst>
+          </p:cNvPr>
+          <p:cNvCxnSpPr>
+            <a:cxnSpLocks/>
+          </p:cNvCxnSpPr>
+          <p:nvPr/>
+        </p:nvCxnSpPr>
+        <p:spPr>
+          <a:xfrm flipV="1">
+            <a:off x="0" y="454803"/>
+            <a:ext cx="738231" cy="1798"/>
+          </a:xfrm>
+          <a:prstGeom prst="line">
+            <a:avLst/>
+          </a:prstGeom>
+        </p:spPr>
+        <p:style>
+          <a:lnRef idx="3">
+            <a:schemeClr val="dk1"/>
+          </a:lnRef>
+          <a:fillRef idx="0">
+            <a:schemeClr val="dk1"/>
+          </a:fillRef>
+          <a:effectRef idx="2">
+            <a:schemeClr val="dk1"/>
+          </a:effectRef>
+          <a:fontRef idx="minor">
+            <a:schemeClr val="tx1"/>
+          </a:fontRef>
+        </p:style>
+      </p:cxnSp>
+      <p:cxnSp>
+        <p:nvCxnSpPr>
+          <p:cNvPr id="20" name="Connecteur droit 19">
+            <a:extLst>
+              <a:ext uri="{FF2B5EF4-FFF2-40B4-BE49-F238E27FC236}">
+                <a16:creationId xmlns:a16="http://schemas.microsoft.com/office/drawing/2014/main" id="{08874CF7-F149-4C81-B61E-74E18342BA8A}"/>
+              </a:ext>
+            </a:extLst>
+          </p:cNvPr>
+          <p:cNvCxnSpPr>
+            <a:cxnSpLocks/>
+          </p:cNvCxnSpPr>
+          <p:nvPr/>
+        </p:nvCxnSpPr>
+        <p:spPr>
+          <a:xfrm>
+            <a:off x="2573222" y="454803"/>
+            <a:ext cx="6829482" cy="10398"/>
+          </a:xfrm>
+          <a:prstGeom prst="line">
+            <a:avLst/>
+          </a:prstGeom>
+        </p:spPr>
+        <p:style>
+          <a:lnRef idx="3">
+            <a:schemeClr val="dk1"/>
+          </a:lnRef>
+          <a:fillRef idx="0">
+            <a:schemeClr val="dk1"/>
+          </a:fillRef>
+          <a:effectRef idx="2">
+            <a:schemeClr val="dk1"/>
+          </a:effectRef>
+          <a:fontRef idx="minor">
+            <a:schemeClr val="tx1"/>
+          </a:fontRef>
+        </p:style>
+      </p:cxnSp>
+      <p:cxnSp>
+        <p:nvCxnSpPr>
+          <p:cNvPr id="26" name="Connecteur droit 25">
+            <a:extLst>
+              <a:ext uri="{FF2B5EF4-FFF2-40B4-BE49-F238E27FC236}">
+                <a16:creationId xmlns:a16="http://schemas.microsoft.com/office/drawing/2014/main" id="{BB3B35CC-057B-48C1-880F-3306A6559175}"/>
+              </a:ext>
+            </a:extLst>
+          </p:cNvPr>
+          <p:cNvCxnSpPr>
+            <a:cxnSpLocks/>
+          </p:cNvCxnSpPr>
+          <p:nvPr/>
+        </p:nvCxnSpPr>
+        <p:spPr>
+          <a:xfrm>
+            <a:off x="738231" y="454803"/>
+            <a:ext cx="344203" cy="484764"/>
+          </a:xfrm>
+          <a:prstGeom prst="line">
+            <a:avLst/>
+          </a:prstGeom>
+        </p:spPr>
+        <p:style>
+          <a:lnRef idx="3">
+            <a:schemeClr val="dk1"/>
+          </a:lnRef>
+          <a:fillRef idx="0">
+            <a:schemeClr val="dk1"/>
+          </a:fillRef>
+          <a:effectRef idx="2">
+            <a:schemeClr val="dk1"/>
+          </a:effectRef>
+          <a:fontRef idx="minor">
+            <a:schemeClr val="tx1"/>
+          </a:fontRef>
+        </p:style>
+      </p:cxnSp>
+      <p:cxnSp>
+        <p:nvCxnSpPr>
+          <p:cNvPr id="32" name="Connecteur droit 31">
+            <a:extLst>
+              <a:ext uri="{FF2B5EF4-FFF2-40B4-BE49-F238E27FC236}">
+                <a16:creationId xmlns:a16="http://schemas.microsoft.com/office/drawing/2014/main" id="{4AD96496-1EB6-4E48-9BB2-5C255495C686}"/>
+              </a:ext>
+            </a:extLst>
+          </p:cNvPr>
+          <p:cNvCxnSpPr>
+            <a:cxnSpLocks/>
+          </p:cNvCxnSpPr>
+          <p:nvPr/>
+        </p:nvCxnSpPr>
+        <p:spPr>
+          <a:xfrm>
+            <a:off x="1082434" y="938268"/>
+            <a:ext cx="1146585" cy="0"/>
+          </a:xfrm>
+          <a:prstGeom prst="line">
+            <a:avLst/>
+          </a:prstGeom>
+        </p:spPr>
+        <p:style>
+          <a:lnRef idx="3">
+            <a:schemeClr val="dk1"/>
+          </a:lnRef>
+          <a:fillRef idx="0">
+            <a:schemeClr val="dk1"/>
+          </a:fillRef>
+          <a:effectRef idx="2">
+            <a:schemeClr val="dk1"/>
+          </a:effectRef>
+          <a:fontRef idx="minor">
+            <a:schemeClr val="tx1"/>
+          </a:fontRef>
+        </p:style>
+      </p:cxnSp>
+      <p:cxnSp>
+        <p:nvCxnSpPr>
+          <p:cNvPr id="51" name="Connecteur droit 50">
+            <a:extLst>
+              <a:ext uri="{FF2B5EF4-FFF2-40B4-BE49-F238E27FC236}">
+                <a16:creationId xmlns:a16="http://schemas.microsoft.com/office/drawing/2014/main" id="{C035BFA6-ECBF-4775-BA81-19D2CA41AA8D}"/>
+              </a:ext>
+            </a:extLst>
+          </p:cNvPr>
+          <p:cNvCxnSpPr>
+            <a:cxnSpLocks/>
+          </p:cNvCxnSpPr>
+          <p:nvPr/>
+        </p:nvCxnSpPr>
+        <p:spPr>
+          <a:xfrm>
+            <a:off x="9402704" y="465201"/>
+            <a:ext cx="344203" cy="495163"/>
+          </a:xfrm>
+          <a:prstGeom prst="line">
+            <a:avLst/>
+          </a:prstGeom>
+        </p:spPr>
+        <p:style>
+          <a:lnRef idx="3">
+            <a:schemeClr val="dk1"/>
+          </a:lnRef>
+          <a:fillRef idx="0">
+            <a:schemeClr val="dk1"/>
+          </a:fillRef>
+          <a:effectRef idx="2">
+            <a:schemeClr val="dk1"/>
+          </a:effectRef>
+          <a:fontRef idx="minor">
+            <a:schemeClr val="tx1"/>
+          </a:fontRef>
+        </p:style>
+      </p:cxnSp>
+      <p:cxnSp>
+        <p:nvCxnSpPr>
+          <p:cNvPr id="52" name="Connecteur droit 51">
+            <a:extLst>
+              <a:ext uri="{FF2B5EF4-FFF2-40B4-BE49-F238E27FC236}">
+                <a16:creationId xmlns:a16="http://schemas.microsoft.com/office/drawing/2014/main" id="{FA310BC7-694B-4984-99A2-61A1F4F6EBF9}"/>
+              </a:ext>
+            </a:extLst>
+          </p:cNvPr>
+          <p:cNvCxnSpPr>
+            <a:cxnSpLocks/>
+          </p:cNvCxnSpPr>
+          <p:nvPr/>
+        </p:nvCxnSpPr>
+        <p:spPr>
+          <a:xfrm flipH="1">
+            <a:off x="11370469" y="448308"/>
+            <a:ext cx="364332" cy="501657"/>
+          </a:xfrm>
+          <a:prstGeom prst="line">
+            <a:avLst/>
+          </a:prstGeom>
+        </p:spPr>
+        <p:style>
+          <a:lnRef idx="3">
+            <a:schemeClr val="dk1"/>
+          </a:lnRef>
+          <a:fillRef idx="0">
+            <a:schemeClr val="dk1"/>
+          </a:fillRef>
+          <a:effectRef idx="2">
+            <a:schemeClr val="dk1"/>
+          </a:effectRef>
+          <a:fontRef idx="minor">
+            <a:schemeClr val="tx1"/>
+          </a:fontRef>
+        </p:style>
+      </p:cxnSp>
+      <p:cxnSp>
+        <p:nvCxnSpPr>
+          <p:cNvPr id="53" name="Connecteur droit 52">
+            <a:extLst>
+              <a:ext uri="{FF2B5EF4-FFF2-40B4-BE49-F238E27FC236}">
+                <a16:creationId xmlns:a16="http://schemas.microsoft.com/office/drawing/2014/main" id="{BE0649BD-EE59-4DDA-960F-95B2572F9F13}"/>
+              </a:ext>
+            </a:extLst>
+          </p:cNvPr>
+          <p:cNvCxnSpPr>
+            <a:cxnSpLocks/>
+          </p:cNvCxnSpPr>
+          <p:nvPr/>
+        </p:nvCxnSpPr>
+        <p:spPr>
+          <a:xfrm>
+            <a:off x="9743203" y="949965"/>
+            <a:ext cx="1627266" cy="0"/>
+          </a:xfrm>
+          <a:prstGeom prst="line">
+            <a:avLst/>
+          </a:prstGeom>
+        </p:spPr>
+        <p:style>
+          <a:lnRef idx="3">
+            <a:schemeClr val="dk1"/>
+          </a:lnRef>
+          <a:fillRef idx="0">
+            <a:schemeClr val="dk1"/>
+          </a:fillRef>
+          <a:effectRef idx="2">
+            <a:schemeClr val="dk1"/>
+          </a:effectRef>
+          <a:fontRef idx="minor">
+            <a:schemeClr val="tx1"/>
+          </a:fontRef>
+        </p:style>
+      </p:cxnSp>
+      <p:cxnSp>
+        <p:nvCxnSpPr>
+          <p:cNvPr id="55" name="Connecteur droit 54">
+            <a:extLst>
+              <a:ext uri="{FF2B5EF4-FFF2-40B4-BE49-F238E27FC236}">
+                <a16:creationId xmlns:a16="http://schemas.microsoft.com/office/drawing/2014/main" id="{52AA9200-DAFA-4EEF-AC13-4C7CE82A59EC}"/>
+              </a:ext>
+            </a:extLst>
+          </p:cNvPr>
+          <p:cNvCxnSpPr>
+            <a:cxnSpLocks/>
+          </p:cNvCxnSpPr>
+          <p:nvPr/>
+        </p:nvCxnSpPr>
+        <p:spPr>
+          <a:xfrm>
+            <a:off x="11715750" y="454801"/>
+            <a:ext cx="476249" cy="10400"/>
+          </a:xfrm>
+          <a:prstGeom prst="line">
+            <a:avLst/>
+          </a:prstGeom>
+        </p:spPr>
+        <p:style>
+          <a:lnRef idx="3">
+            <a:schemeClr val="dk1"/>
+          </a:lnRef>
+          <a:fillRef idx="0">
+            <a:schemeClr val="dk1"/>
+          </a:fillRef>
+          <a:effectRef idx="2">
+            <a:schemeClr val="dk1"/>
+          </a:effectRef>
+          <a:fontRef idx="minor">
+            <a:schemeClr val="tx1"/>
+          </a:fontRef>
+        </p:style>
+      </p:cxnSp>
+      <p:cxnSp>
+        <p:nvCxnSpPr>
+          <p:cNvPr id="23" name="Connecteur droit 22">
+            <a:extLst>
+              <a:ext uri="{FF2B5EF4-FFF2-40B4-BE49-F238E27FC236}">
+                <a16:creationId xmlns:a16="http://schemas.microsoft.com/office/drawing/2014/main" id="{BCB092C8-0080-4E56-957E-0046D4C83988}"/>
+              </a:ext>
+            </a:extLst>
+          </p:cNvPr>
+          <p:cNvCxnSpPr>
+            <a:cxnSpLocks/>
+          </p:cNvCxnSpPr>
+          <p:nvPr/>
+        </p:nvCxnSpPr>
+        <p:spPr>
+          <a:xfrm flipH="1">
+            <a:off x="2216372" y="446356"/>
+            <a:ext cx="364332" cy="501657"/>
+          </a:xfrm>
+          <a:prstGeom prst="line">
+            <a:avLst/>
+          </a:prstGeom>
+        </p:spPr>
+        <p:style>
+          <a:lnRef idx="3">
+            <a:schemeClr val="dk1"/>
+          </a:lnRef>
+          <a:fillRef idx="0">
+            <a:schemeClr val="dk1"/>
+          </a:fillRef>
+          <a:effectRef idx="2">
+            <a:schemeClr val="dk1"/>
+          </a:effectRef>
+          <a:fontRef idx="minor">
+            <a:schemeClr val="tx1"/>
+          </a:fontRef>
+        </p:style>
+      </p:cxnSp>
+      <p:pic>
+        <p:nvPicPr>
+          <p:cNvPr id="57" name="Image 56">
+            <a:extLst>
+              <a:ext uri="{FF2B5EF4-FFF2-40B4-BE49-F238E27FC236}">
+                <a16:creationId xmlns:a16="http://schemas.microsoft.com/office/drawing/2014/main" id="{12B16FB2-5844-4B92-AE69-9BAC858C22BB}"/>
+              </a:ext>
+            </a:extLst>
+          </p:cNvPr>
+          <p:cNvPicPr>
+            <a:picLocks noChangeAspect="1"/>
+          </p:cNvPicPr>
+          <p:nvPr/>
+        </p:nvPicPr>
+        <p:blipFill>
+          <a:blip r:embed="rId3">
+            <a:extLst>
+              <a:ext uri="{28A0092B-C50C-407E-A947-70E740481C1C}">
+                <a14:useLocalDpi xmlns:a14="http://schemas.microsoft.com/office/drawing/2010/main" val="0"/>
+              </a:ext>
+            </a:extLst>
+          </a:blip>
+          <a:stretch>
+            <a:fillRect/>
+          </a:stretch>
+        </p:blipFill>
+        <p:spPr>
+          <a:xfrm>
+            <a:off x="9681085" y="238153"/>
+            <a:ext cx="1802101" cy="569807"/>
+          </a:xfrm>
+          <a:prstGeom prst="rect">
+            <a:avLst/>
+          </a:prstGeom>
+        </p:spPr>
+      </p:pic>
+      <p:cxnSp>
+        <p:nvCxnSpPr>
+          <p:cNvPr id="58" name="Connecteur droit 57">
+            <a:extLst>
+              <a:ext uri="{FF2B5EF4-FFF2-40B4-BE49-F238E27FC236}">
+                <a16:creationId xmlns:a16="http://schemas.microsoft.com/office/drawing/2014/main" id="{01599350-F8B0-4FDC-B003-981189A8D654}"/>
+              </a:ext>
+            </a:extLst>
+          </p:cNvPr>
+          <p:cNvCxnSpPr>
+            <a:cxnSpLocks/>
+          </p:cNvCxnSpPr>
+          <p:nvPr/>
+        </p:nvCxnSpPr>
+        <p:spPr>
+          <a:xfrm>
+            <a:off x="2573222" y="454803"/>
+            <a:ext cx="6829482" cy="10398"/>
+          </a:xfrm>
+          <a:prstGeom prst="line">
+            <a:avLst/>
+          </a:prstGeom>
+        </p:spPr>
+        <p:style>
+          <a:lnRef idx="3">
+            <a:schemeClr val="dk1"/>
+          </a:lnRef>
+          <a:fillRef idx="0">
+            <a:schemeClr val="dk1"/>
+          </a:fillRef>
+          <a:effectRef idx="2">
+            <a:schemeClr val="dk1"/>
+          </a:effectRef>
+          <a:fontRef idx="minor">
+            <a:schemeClr val="tx1"/>
+          </a:fontRef>
+        </p:style>
+      </p:cxnSp>
+      <p:cxnSp>
+        <p:nvCxnSpPr>
+          <p:cNvPr id="59" name="Connecteur droit 58">
+            <a:extLst>
+              <a:ext uri="{FF2B5EF4-FFF2-40B4-BE49-F238E27FC236}">
+                <a16:creationId xmlns:a16="http://schemas.microsoft.com/office/drawing/2014/main" id="{BC6E6150-6054-4785-84EC-0C46D82034C2}"/>
+              </a:ext>
+            </a:extLst>
+          </p:cNvPr>
+          <p:cNvCxnSpPr>
+            <a:cxnSpLocks/>
+          </p:cNvCxnSpPr>
+          <p:nvPr/>
+        </p:nvCxnSpPr>
+        <p:spPr>
+          <a:xfrm>
+            <a:off x="738231" y="454803"/>
+            <a:ext cx="344203" cy="484764"/>
+          </a:xfrm>
+          <a:prstGeom prst="line">
+            <a:avLst/>
+          </a:prstGeom>
+        </p:spPr>
+        <p:style>
+          <a:lnRef idx="3">
+            <a:schemeClr val="dk1"/>
+          </a:lnRef>
+          <a:fillRef idx="0">
+            <a:schemeClr val="dk1"/>
+          </a:fillRef>
+          <a:effectRef idx="2">
+            <a:schemeClr val="dk1"/>
+          </a:effectRef>
+          <a:fontRef idx="minor">
+            <a:schemeClr val="tx1"/>
+          </a:fontRef>
+        </p:style>
+      </p:cxnSp>
+      <p:cxnSp>
+        <p:nvCxnSpPr>
+          <p:cNvPr id="60" name="Connecteur droit 59">
+            <a:extLst>
+              <a:ext uri="{FF2B5EF4-FFF2-40B4-BE49-F238E27FC236}">
+                <a16:creationId xmlns:a16="http://schemas.microsoft.com/office/drawing/2014/main" id="{CBC9961A-8EC2-4287-A398-BCA4138D409D}"/>
+              </a:ext>
+            </a:extLst>
+          </p:cNvPr>
+          <p:cNvCxnSpPr>
+            <a:cxnSpLocks/>
+          </p:cNvCxnSpPr>
+          <p:nvPr/>
+        </p:nvCxnSpPr>
+        <p:spPr>
+          <a:xfrm>
+            <a:off x="1082434" y="938268"/>
+            <a:ext cx="1146585" cy="0"/>
+          </a:xfrm>
+          <a:prstGeom prst="line">
+            <a:avLst/>
+          </a:prstGeom>
+        </p:spPr>
+        <p:style>
+          <a:lnRef idx="3">
+            <a:schemeClr val="dk1"/>
+          </a:lnRef>
+          <a:fillRef idx="0">
+            <a:schemeClr val="dk1"/>
+          </a:fillRef>
+          <a:effectRef idx="2">
+            <a:schemeClr val="dk1"/>
+          </a:effectRef>
+          <a:fontRef idx="minor">
+            <a:schemeClr val="tx1"/>
+          </a:fontRef>
+        </p:style>
+      </p:cxnSp>
+      <p:cxnSp>
+        <p:nvCxnSpPr>
+          <p:cNvPr id="61" name="Connecteur droit 60">
+            <a:extLst>
+              <a:ext uri="{FF2B5EF4-FFF2-40B4-BE49-F238E27FC236}">
+                <a16:creationId xmlns:a16="http://schemas.microsoft.com/office/drawing/2014/main" id="{152B7C45-2543-4665-BC07-4DB71CA9F337}"/>
+              </a:ext>
+            </a:extLst>
+          </p:cNvPr>
+          <p:cNvCxnSpPr>
+            <a:cxnSpLocks/>
+          </p:cNvCxnSpPr>
+          <p:nvPr/>
+        </p:nvCxnSpPr>
+        <p:spPr>
+          <a:xfrm>
+            <a:off x="9402704" y="465201"/>
+            <a:ext cx="344203" cy="495163"/>
+          </a:xfrm>
+          <a:prstGeom prst="line">
+            <a:avLst/>
+          </a:prstGeom>
+        </p:spPr>
+        <p:style>
+          <a:lnRef idx="3">
+            <a:schemeClr val="dk1"/>
+          </a:lnRef>
+          <a:fillRef idx="0">
+            <a:schemeClr val="dk1"/>
+          </a:fillRef>
+          <a:effectRef idx="2">
+            <a:schemeClr val="dk1"/>
+          </a:effectRef>
+          <a:fontRef idx="minor">
+            <a:schemeClr val="tx1"/>
+          </a:fontRef>
+        </p:style>
+      </p:cxnSp>
+      <p:cxnSp>
+        <p:nvCxnSpPr>
+          <p:cNvPr id="62" name="Connecteur droit 61">
+            <a:extLst>
+              <a:ext uri="{FF2B5EF4-FFF2-40B4-BE49-F238E27FC236}">
+                <a16:creationId xmlns:a16="http://schemas.microsoft.com/office/drawing/2014/main" id="{00A84DC3-A112-46A3-B71C-04D85339323D}"/>
+              </a:ext>
+            </a:extLst>
+          </p:cNvPr>
+          <p:cNvCxnSpPr>
+            <a:cxnSpLocks/>
+          </p:cNvCxnSpPr>
+          <p:nvPr/>
+        </p:nvCxnSpPr>
+        <p:spPr>
+          <a:xfrm flipH="1">
+            <a:off x="11370469" y="448308"/>
+            <a:ext cx="364332" cy="501657"/>
+          </a:xfrm>
+          <a:prstGeom prst="line">
+            <a:avLst/>
+          </a:prstGeom>
+        </p:spPr>
+        <p:style>
+          <a:lnRef idx="3">
+            <a:schemeClr val="dk1"/>
+          </a:lnRef>
+          <a:fillRef idx="0">
+            <a:schemeClr val="dk1"/>
+          </a:fillRef>
+          <a:effectRef idx="2">
+            <a:schemeClr val="dk1"/>
+          </a:effectRef>
+          <a:fontRef idx="minor">
+            <a:schemeClr val="tx1"/>
+          </a:fontRef>
+        </p:style>
+      </p:cxnSp>
+      <p:cxnSp>
+        <p:nvCxnSpPr>
+          <p:cNvPr id="63" name="Connecteur droit 62">
+            <a:extLst>
+              <a:ext uri="{FF2B5EF4-FFF2-40B4-BE49-F238E27FC236}">
+                <a16:creationId xmlns:a16="http://schemas.microsoft.com/office/drawing/2014/main" id="{C50788C6-8F68-44EC-AB54-94C1D2FE554D}"/>
+              </a:ext>
+            </a:extLst>
+          </p:cNvPr>
+          <p:cNvCxnSpPr>
+            <a:cxnSpLocks/>
+          </p:cNvCxnSpPr>
+          <p:nvPr/>
+        </p:nvCxnSpPr>
+        <p:spPr>
+          <a:xfrm>
+            <a:off x="9743203" y="949965"/>
+            <a:ext cx="1627266" cy="0"/>
+          </a:xfrm>
+          <a:prstGeom prst="line">
+            <a:avLst/>
+          </a:prstGeom>
+        </p:spPr>
+        <p:style>
+          <a:lnRef idx="3">
+            <a:schemeClr val="dk1"/>
+          </a:lnRef>
+          <a:fillRef idx="0">
+            <a:schemeClr val="dk1"/>
+          </a:fillRef>
+          <a:effectRef idx="2">
+            <a:schemeClr val="dk1"/>
+          </a:effectRef>
+          <a:fontRef idx="minor">
+            <a:schemeClr val="tx1"/>
+          </a:fontRef>
+        </p:style>
+      </p:cxnSp>
+      <p:cxnSp>
+        <p:nvCxnSpPr>
+          <p:cNvPr id="64" name="Connecteur droit 63">
+            <a:extLst>
+              <a:ext uri="{FF2B5EF4-FFF2-40B4-BE49-F238E27FC236}">
+                <a16:creationId xmlns:a16="http://schemas.microsoft.com/office/drawing/2014/main" id="{BC4D4E5F-5636-45CB-873C-EC085AB307A3}"/>
+              </a:ext>
+            </a:extLst>
+          </p:cNvPr>
+          <p:cNvCxnSpPr>
+            <a:cxnSpLocks/>
+          </p:cNvCxnSpPr>
+          <p:nvPr/>
+        </p:nvCxnSpPr>
+        <p:spPr>
+          <a:xfrm>
+            <a:off x="11715750" y="454801"/>
+            <a:ext cx="476249" cy="10400"/>
+          </a:xfrm>
+          <a:prstGeom prst="line">
+            <a:avLst/>
+          </a:prstGeom>
+        </p:spPr>
+        <p:style>
+          <a:lnRef idx="3">
+            <a:schemeClr val="dk1"/>
+          </a:lnRef>
+          <a:fillRef idx="0">
+            <a:schemeClr val="dk1"/>
+          </a:fillRef>
+          <a:effectRef idx="2">
+            <a:schemeClr val="dk1"/>
+          </a:effectRef>
+          <a:fontRef idx="minor">
+            <a:schemeClr val="tx1"/>
+          </a:fontRef>
+        </p:style>
+      </p:cxnSp>
+      <p:cxnSp>
+        <p:nvCxnSpPr>
+          <p:cNvPr id="65" name="Connecteur droit 64">
+            <a:extLst>
+              <a:ext uri="{FF2B5EF4-FFF2-40B4-BE49-F238E27FC236}">
+                <a16:creationId xmlns:a16="http://schemas.microsoft.com/office/drawing/2014/main" id="{E6F6B4C5-0E3B-46C9-859D-EE774175D36F}"/>
+              </a:ext>
+            </a:extLst>
+          </p:cNvPr>
+          <p:cNvCxnSpPr>
+            <a:cxnSpLocks/>
+          </p:cNvCxnSpPr>
+          <p:nvPr/>
+        </p:nvCxnSpPr>
+        <p:spPr>
+          <a:xfrm flipH="1">
+            <a:off x="2216372" y="446356"/>
+            <a:ext cx="364332" cy="501657"/>
+          </a:xfrm>
+          <a:prstGeom prst="line">
+            <a:avLst/>
+          </a:prstGeom>
+        </p:spPr>
+        <p:style>
+          <a:lnRef idx="3">
+            <a:schemeClr val="dk1"/>
+          </a:lnRef>
+          <a:fillRef idx="0">
+            <a:schemeClr val="dk1"/>
+          </a:fillRef>
+          <a:effectRef idx="2">
+            <a:schemeClr val="dk1"/>
+          </a:effectRef>
+          <a:fontRef idx="minor">
+            <a:schemeClr val="tx1"/>
+          </a:fontRef>
+        </p:style>
+      </p:cxnSp>
+    </p:spTree>
+    <p:extLst>
+      <p:ext uri="{BB962C8B-B14F-4D97-AF65-F5344CB8AC3E}">
+        <p14:creationId xmlns:p14="http://schemas.microsoft.com/office/powerpoint/2010/main" val="2016876074"/>
       </p:ext>
     </p:extLst>
   </p:cSld>
